--- a/Java_day_3.pptx
+++ b/Java_day_3.pptx
@@ -17,6 +17,9 @@
     <p:sldId id="268" r:id="rId11"/>
     <p:sldId id="264" r:id="rId12"/>
     <p:sldId id="265" r:id="rId13"/>
+    <p:sldId id="269" r:id="rId14"/>
+    <p:sldId id="270" r:id="rId15"/>
+    <p:sldId id="271" r:id="rId16"/>
   </p:sldIdLst>
   <p:sldSz cx="12192000" cy="6858000"/>
   <p:notesSz cx="6858000" cy="9144000"/>
@@ -347,7 +350,7 @@
           <a:p>
             <a:fld id="{3FFBF284-6CBB-4C52-8864-26F5B368821C}" type="datetimeFigureOut">
               <a:rPr lang="en-US" smtClean="0"/>
-              <a:t>30/11/2024</a:t>
+              <a:t>15/12/2024</a:t>
             </a:fld>
             <a:endParaRPr lang="en-US"/>
           </a:p>
@@ -517,7 +520,7 @@
           <a:p>
             <a:fld id="{3FFBF284-6CBB-4C52-8864-26F5B368821C}" type="datetimeFigureOut">
               <a:rPr lang="en-US" smtClean="0"/>
-              <a:t>30/11/2024</a:t>
+              <a:t>15/12/2024</a:t>
             </a:fld>
             <a:endParaRPr lang="en-US"/>
           </a:p>
@@ -697,7 +700,7 @@
           <a:p>
             <a:fld id="{3FFBF284-6CBB-4C52-8864-26F5B368821C}" type="datetimeFigureOut">
               <a:rPr lang="en-US" smtClean="0"/>
-              <a:t>30/11/2024</a:t>
+              <a:t>15/12/2024</a:t>
             </a:fld>
             <a:endParaRPr lang="en-US"/>
           </a:p>
@@ -867,7 +870,7 @@
           <a:p>
             <a:fld id="{3FFBF284-6CBB-4C52-8864-26F5B368821C}" type="datetimeFigureOut">
               <a:rPr lang="en-US" smtClean="0"/>
-              <a:t>30/11/2024</a:t>
+              <a:t>15/12/2024</a:t>
             </a:fld>
             <a:endParaRPr lang="en-US"/>
           </a:p>
@@ -1125,7 +1128,7 @@
           <a:p>
             <a:fld id="{3FFBF284-6CBB-4C52-8864-26F5B368821C}" type="datetimeFigureOut">
               <a:rPr lang="en-US" smtClean="0"/>
-              <a:t>30/11/2024</a:t>
+              <a:t>15/12/2024</a:t>
             </a:fld>
             <a:endParaRPr lang="en-US"/>
           </a:p>
@@ -1413,7 +1416,7 @@
           <a:p>
             <a:fld id="{3FFBF284-6CBB-4C52-8864-26F5B368821C}" type="datetimeFigureOut">
               <a:rPr lang="en-US" smtClean="0"/>
-              <a:t>30/11/2024</a:t>
+              <a:t>15/12/2024</a:t>
             </a:fld>
             <a:endParaRPr lang="en-US"/>
           </a:p>
@@ -1855,7 +1858,7 @@
           <a:p>
             <a:fld id="{3FFBF284-6CBB-4C52-8864-26F5B368821C}" type="datetimeFigureOut">
               <a:rPr lang="en-US" smtClean="0"/>
-              <a:t>30/11/2024</a:t>
+              <a:t>15/12/2024</a:t>
             </a:fld>
             <a:endParaRPr lang="en-US"/>
           </a:p>
@@ -1973,7 +1976,7 @@
           <a:p>
             <a:fld id="{3FFBF284-6CBB-4C52-8864-26F5B368821C}" type="datetimeFigureOut">
               <a:rPr lang="en-US" smtClean="0"/>
-              <a:t>30/11/2024</a:t>
+              <a:t>15/12/2024</a:t>
             </a:fld>
             <a:endParaRPr lang="en-US"/>
           </a:p>
@@ -2068,7 +2071,7 @@
           <a:p>
             <a:fld id="{3FFBF284-6CBB-4C52-8864-26F5B368821C}" type="datetimeFigureOut">
               <a:rPr lang="en-US" smtClean="0"/>
-              <a:t>30/11/2024</a:t>
+              <a:t>15/12/2024</a:t>
             </a:fld>
             <a:endParaRPr lang="en-US"/>
           </a:p>
@@ -2356,7 +2359,7 @@
           <a:p>
             <a:fld id="{3FFBF284-6CBB-4C52-8864-26F5B368821C}" type="datetimeFigureOut">
               <a:rPr lang="en-US" smtClean="0"/>
-              <a:t>30/11/2024</a:t>
+              <a:t>15/12/2024</a:t>
             </a:fld>
             <a:endParaRPr lang="en-US"/>
           </a:p>
@@ -2629,7 +2632,7 @@
           <a:p>
             <a:fld id="{3FFBF284-6CBB-4C52-8864-26F5B368821C}" type="datetimeFigureOut">
               <a:rPr lang="en-US" smtClean="0"/>
-              <a:t>30/11/2024</a:t>
+              <a:t>15/12/2024</a:t>
             </a:fld>
             <a:endParaRPr lang="en-US"/>
           </a:p>
@@ -2926,7 +2929,7 @@
           <a:p>
             <a:fld id="{3FFBF284-6CBB-4C52-8864-26F5B368821C}" type="datetimeFigureOut">
               <a:rPr lang="en-US" smtClean="0"/>
-              <a:t>30/11/2024</a:t>
+              <a:t>15/12/2024</a:t>
             </a:fld>
             <a:endParaRPr lang="en-US"/>
           </a:p>
@@ -3742,7 +3745,6 @@
               <a:rPr lang="en-US" dirty="0"/>
               <a:t>The while loop loops through a block of code as long as a specified condition is true:</a:t>
             </a:r>
-            <a:endParaRPr lang="en-US" dirty="0"/>
           </a:p>
           <a:p>
             <a:pPr marL="0" indent="0">
@@ -4290,6 +4292,806 @@
 </p:sld>
 </file>
 
+<file path=ppt/slides/slide13.xml><?xml version="1.0" encoding="utf-8"?>
+<p:sld xmlns:a="http://schemas.openxmlformats.org/drawingml/2006/main" xmlns:r="http://schemas.openxmlformats.org/officeDocument/2006/relationships" xmlns:p="http://schemas.openxmlformats.org/presentationml/2006/main">
+  <p:cSld>
+    <p:spTree>
+      <p:nvGrpSpPr>
+        <p:cNvPr id="1" name=""/>
+        <p:cNvGrpSpPr/>
+        <p:nvPr/>
+      </p:nvGrpSpPr>
+      <p:grpSpPr>
+        <a:xfrm>
+          <a:off x="0" y="0"/>
+          <a:ext cx="0" cy="0"/>
+          <a:chOff x="0" y="0"/>
+          <a:chExt cx="0" cy="0"/>
+        </a:xfrm>
+      </p:grpSpPr>
+      <p:sp>
+        <p:nvSpPr>
+          <p:cNvPr id="2" name="Title 1"/>
+          <p:cNvSpPr>
+            <a:spLocks noGrp="1"/>
+          </p:cNvSpPr>
+          <p:nvPr>
+            <p:ph type="title"/>
+          </p:nvPr>
+        </p:nvSpPr>
+        <p:spPr/>
+        <p:txBody>
+          <a:bodyPr/>
+          <a:lstStyle/>
+          <a:p>
+            <a:r>
+              <a:rPr lang="en-US" dirty="0"/>
+              <a:t>Java For Loop</a:t>
+            </a:r>
+          </a:p>
+        </p:txBody>
+      </p:sp>
+      <p:sp>
+        <p:nvSpPr>
+          <p:cNvPr id="3" name="Content Placeholder 2"/>
+          <p:cNvSpPr>
+            <a:spLocks noGrp="1"/>
+          </p:cNvSpPr>
+          <p:nvPr>
+            <p:ph idx="1"/>
+          </p:nvPr>
+        </p:nvSpPr>
+        <p:spPr/>
+        <p:txBody>
+          <a:bodyPr>
+            <a:normAutofit fontScale="92500" lnSpcReduction="20000"/>
+          </a:bodyPr>
+          <a:lstStyle/>
+          <a:p>
+            <a:pPr marL="0" indent="0" algn="just">
+              <a:buNone/>
+            </a:pPr>
+            <a:r>
+              <a:rPr lang="en-US" dirty="0"/>
+              <a:t>When you know exactly how many times you want to loop through a block of code, use the for loop instead of a while </a:t>
+            </a:r>
+            <a:r>
+              <a:rPr lang="en-US" dirty="0" err="1"/>
+              <a:t>loop:</a:t>
+            </a:r>
+            <a:r>
+              <a:rPr lang="en-US" b="1" dirty="0" err="1" smtClean="0"/>
+              <a:t>Syntax</a:t>
+            </a:r>
+            <a:endParaRPr lang="en-US" b="1" dirty="0">
+              <a:solidFill>
+                <a:schemeClr val="accent4"/>
+              </a:solidFill>
+            </a:endParaRPr>
+          </a:p>
+          <a:p>
+            <a:pPr marL="0" indent="0">
+              <a:buNone/>
+            </a:pPr>
+            <a:r>
+              <a:rPr lang="en-US" dirty="0">
+                <a:solidFill>
+                  <a:schemeClr val="accent4"/>
+                </a:solidFill>
+                <a:latin typeface="Consolas" panose="020B0609020204030204" pitchFamily="49" charset="0"/>
+              </a:rPr>
+              <a:t>for (statement 1; statement 2; statement 3) {</a:t>
+            </a:r>
+          </a:p>
+          <a:p>
+            <a:pPr marL="0" indent="0">
+              <a:buNone/>
+            </a:pPr>
+            <a:r>
+              <a:rPr lang="en-US" dirty="0">
+                <a:solidFill>
+                  <a:schemeClr val="accent4"/>
+                </a:solidFill>
+                <a:latin typeface="Consolas" panose="020B0609020204030204" pitchFamily="49" charset="0"/>
+              </a:rPr>
+              <a:t>  // code block to be executed</a:t>
+            </a:r>
+          </a:p>
+          <a:p>
+            <a:pPr marL="0" indent="0">
+              <a:buNone/>
+            </a:pPr>
+            <a:r>
+              <a:rPr lang="en-US" dirty="0" smtClean="0">
+                <a:solidFill>
+                  <a:schemeClr val="accent4"/>
+                </a:solidFill>
+                <a:latin typeface="Consolas" panose="020B0609020204030204" pitchFamily="49" charset="0"/>
+              </a:rPr>
+              <a:t>}</a:t>
+            </a:r>
+          </a:p>
+          <a:p>
+            <a:r>
+              <a:rPr lang="en-US" b="1" dirty="0"/>
+              <a:t>Statement 1</a:t>
+            </a:r>
+            <a:r>
+              <a:rPr lang="en-US" dirty="0"/>
+              <a:t> is executed (one time) before the execution of the code block.</a:t>
+            </a:r>
+          </a:p>
+          <a:p>
+            <a:r>
+              <a:rPr lang="en-US" b="1" dirty="0"/>
+              <a:t>Statement 2</a:t>
+            </a:r>
+            <a:r>
+              <a:rPr lang="en-US" dirty="0"/>
+              <a:t> defines the condition for executing the code block.</a:t>
+            </a:r>
+          </a:p>
+          <a:p>
+            <a:r>
+              <a:rPr lang="en-US" b="1" dirty="0"/>
+              <a:t>Statement 3</a:t>
+            </a:r>
+            <a:r>
+              <a:rPr lang="en-US" dirty="0"/>
+              <a:t> is executed (every time) after the code block has been executed.</a:t>
+            </a:r>
+          </a:p>
+          <a:p>
+            <a:pPr marL="0" indent="0">
+              <a:buNone/>
+            </a:pPr>
+            <a:endParaRPr lang="en-US" dirty="0" smtClean="0">
+              <a:solidFill>
+                <a:schemeClr val="accent4"/>
+              </a:solidFill>
+              <a:latin typeface="Consolas" panose="020B0609020204030204" pitchFamily="49" charset="0"/>
+            </a:endParaRPr>
+          </a:p>
+          <a:p>
+            <a:pPr marL="0" indent="0">
+              <a:buNone/>
+            </a:pPr>
+            <a:r>
+              <a:rPr lang="en-US" b="1" dirty="0" smtClean="0">
+                <a:latin typeface="Consolas" panose="020B0609020204030204" pitchFamily="49" charset="0"/>
+              </a:rPr>
+              <a:t>Example</a:t>
+            </a:r>
+          </a:p>
+          <a:p>
+            <a:pPr marL="0" indent="0">
+              <a:buNone/>
+            </a:pPr>
+            <a:r>
+              <a:rPr lang="nn-NO" b="1" dirty="0">
+                <a:latin typeface="Consolas" panose="020B0609020204030204" pitchFamily="49" charset="0"/>
+              </a:rPr>
+              <a:t>for (int i = 0; i &lt; 5; i++) {</a:t>
+            </a:r>
+          </a:p>
+          <a:p>
+            <a:pPr marL="0" indent="0">
+              <a:buNone/>
+            </a:pPr>
+            <a:r>
+              <a:rPr lang="nn-NO" b="1" dirty="0">
+                <a:latin typeface="Consolas" panose="020B0609020204030204" pitchFamily="49" charset="0"/>
+              </a:rPr>
+              <a:t>  System.out.println(i);</a:t>
+            </a:r>
+          </a:p>
+          <a:p>
+            <a:pPr marL="0" indent="0">
+              <a:buNone/>
+            </a:pPr>
+            <a:r>
+              <a:rPr lang="nn-NO" b="1" dirty="0">
+                <a:latin typeface="Consolas" panose="020B0609020204030204" pitchFamily="49" charset="0"/>
+              </a:rPr>
+              <a:t>}</a:t>
+            </a:r>
+            <a:endParaRPr lang="en-US" b="1" dirty="0" smtClean="0">
+              <a:latin typeface="Consolas" panose="020B0609020204030204" pitchFamily="49" charset="0"/>
+            </a:endParaRPr>
+          </a:p>
+        </p:txBody>
+      </p:sp>
+      <p:sp>
+        <p:nvSpPr>
+          <p:cNvPr id="4" name="Rectangle 3"/>
+          <p:cNvSpPr/>
+          <p:nvPr/>
+        </p:nvSpPr>
+        <p:spPr>
+          <a:xfrm>
+            <a:off x="8112368" y="6549292"/>
+            <a:ext cx="4079631" cy="226646"/>
+          </a:xfrm>
+          <a:prstGeom prst="rect">
+            <a:avLst/>
+          </a:prstGeom>
+          <a:ln>
+            <a:noFill/>
+          </a:ln>
+        </p:spPr>
+        <p:style>
+          <a:lnRef idx="2">
+            <a:schemeClr val="accent4"/>
+          </a:lnRef>
+          <a:fillRef idx="1">
+            <a:schemeClr val="lt1"/>
+          </a:fillRef>
+          <a:effectRef idx="0">
+            <a:schemeClr val="accent4"/>
+          </a:effectRef>
+          <a:fontRef idx="minor">
+            <a:schemeClr val="dk1"/>
+          </a:fontRef>
+        </p:style>
+        <p:txBody>
+          <a:bodyPr rtlCol="0" anchor="ctr"/>
+          <a:lstStyle/>
+          <a:p>
+            <a:pPr algn="ctr"/>
+            <a:r>
+              <a:rPr lang="en-US" dirty="0" smtClean="0"/>
+              <a:t>Source: w3school</a:t>
+            </a:r>
+            <a:endParaRPr lang="en-US" dirty="0"/>
+          </a:p>
+        </p:txBody>
+      </p:sp>
+    </p:spTree>
+    <p:extLst>
+      <p:ext uri="{BB962C8B-B14F-4D97-AF65-F5344CB8AC3E}">
+        <p14:creationId xmlns:p14="http://schemas.microsoft.com/office/powerpoint/2010/main" val="2098201209"/>
+      </p:ext>
+    </p:extLst>
+  </p:cSld>
+  <p:clrMapOvr>
+    <a:masterClrMapping/>
+  </p:clrMapOvr>
+  <p:timing>
+    <p:tnLst>
+      <p:par>
+        <p:cTn id="1" dur="indefinite" restart="never" nodeType="tmRoot"/>
+      </p:par>
+    </p:tnLst>
+  </p:timing>
+</p:sld>
+</file>
+
+<file path=ppt/slides/slide14.xml><?xml version="1.0" encoding="utf-8"?>
+<p:sld xmlns:a="http://schemas.openxmlformats.org/drawingml/2006/main" xmlns:r="http://schemas.openxmlformats.org/officeDocument/2006/relationships" xmlns:p="http://schemas.openxmlformats.org/presentationml/2006/main">
+  <p:cSld>
+    <p:spTree>
+      <p:nvGrpSpPr>
+        <p:cNvPr id="1" name=""/>
+        <p:cNvGrpSpPr/>
+        <p:nvPr/>
+      </p:nvGrpSpPr>
+      <p:grpSpPr>
+        <a:xfrm>
+          <a:off x="0" y="0"/>
+          <a:ext cx="0" cy="0"/>
+          <a:chOff x="0" y="0"/>
+          <a:chExt cx="0" cy="0"/>
+        </a:xfrm>
+      </p:grpSpPr>
+      <p:sp>
+        <p:nvSpPr>
+          <p:cNvPr id="2" name="Title 1"/>
+          <p:cNvSpPr>
+            <a:spLocks noGrp="1"/>
+          </p:cNvSpPr>
+          <p:nvPr>
+            <p:ph type="title"/>
+          </p:nvPr>
+        </p:nvSpPr>
+        <p:spPr/>
+        <p:txBody>
+          <a:bodyPr/>
+          <a:lstStyle/>
+          <a:p>
+            <a:r>
+              <a:rPr lang="en-US" dirty="0"/>
+              <a:t>Java Break and Continue</a:t>
+            </a:r>
+          </a:p>
+        </p:txBody>
+      </p:sp>
+      <p:sp>
+        <p:nvSpPr>
+          <p:cNvPr id="3" name="Content Placeholder 2"/>
+          <p:cNvSpPr>
+            <a:spLocks noGrp="1"/>
+          </p:cNvSpPr>
+          <p:nvPr>
+            <p:ph idx="1"/>
+          </p:nvPr>
+        </p:nvSpPr>
+        <p:spPr/>
+        <p:txBody>
+          <a:bodyPr>
+            <a:normAutofit/>
+          </a:bodyPr>
+          <a:lstStyle/>
+          <a:p>
+            <a:pPr marL="0" indent="0" algn="just">
+              <a:buNone/>
+            </a:pPr>
+            <a:r>
+              <a:rPr lang="en-US" b="1" dirty="0" smtClean="0"/>
+              <a:t>Java Continue</a:t>
+            </a:r>
+          </a:p>
+          <a:p>
+            <a:pPr marL="0" indent="0" algn="just">
+              <a:buNone/>
+            </a:pPr>
+            <a:r>
+              <a:rPr lang="en-US" dirty="0" smtClean="0"/>
+              <a:t>You </a:t>
+            </a:r>
+            <a:r>
+              <a:rPr lang="en-US" dirty="0"/>
+              <a:t>have already seen the break statement used in an earlier chapter of this tutorial. It was used to "jump out" of a switch statement</a:t>
+            </a:r>
+            <a:r>
+              <a:rPr lang="en-US" dirty="0" smtClean="0"/>
+              <a:t>.</a:t>
+            </a:r>
+            <a:endParaRPr lang="en-US" dirty="0"/>
+          </a:p>
+          <a:p>
+            <a:pPr marL="0" indent="0" algn="just">
+              <a:buNone/>
+            </a:pPr>
+            <a:r>
+              <a:rPr lang="en-US" dirty="0"/>
+              <a:t>The break statement can also be used to jump out of a loop</a:t>
+            </a:r>
+            <a:r>
+              <a:rPr lang="en-US" dirty="0" smtClean="0"/>
+              <a:t>.</a:t>
+            </a:r>
+          </a:p>
+          <a:p>
+            <a:pPr marL="0" indent="0" algn="just">
+              <a:buNone/>
+            </a:pPr>
+            <a:r>
+              <a:rPr lang="en-US" dirty="0"/>
+              <a:t>This example stops the loop when </a:t>
+            </a:r>
+            <a:r>
+              <a:rPr lang="en-US" dirty="0" err="1"/>
+              <a:t>i</a:t>
+            </a:r>
+            <a:r>
+              <a:rPr lang="en-US" dirty="0"/>
+              <a:t> is equal to 4:</a:t>
+            </a:r>
+            <a:endParaRPr lang="en-US" dirty="0" smtClean="0"/>
+          </a:p>
+          <a:p>
+            <a:pPr marL="0" indent="0" algn="just">
+              <a:buNone/>
+            </a:pPr>
+            <a:r>
+              <a:rPr lang="nn-NO" dirty="0">
+                <a:solidFill>
+                  <a:schemeClr val="accent4"/>
+                </a:solidFill>
+                <a:latin typeface="Consolas" panose="020B0609020204030204" pitchFamily="49" charset="0"/>
+              </a:rPr>
+              <a:t>for (int i = 0; i &lt; 10; i++) {</a:t>
+            </a:r>
+          </a:p>
+          <a:p>
+            <a:pPr marL="0" indent="0" algn="just">
+              <a:buNone/>
+            </a:pPr>
+            <a:r>
+              <a:rPr lang="nn-NO" dirty="0">
+                <a:solidFill>
+                  <a:schemeClr val="accent4"/>
+                </a:solidFill>
+                <a:latin typeface="Consolas" panose="020B0609020204030204" pitchFamily="49" charset="0"/>
+              </a:rPr>
+              <a:t>  if (i == 4) {</a:t>
+            </a:r>
+          </a:p>
+          <a:p>
+            <a:pPr marL="0" indent="0" algn="just">
+              <a:buNone/>
+            </a:pPr>
+            <a:r>
+              <a:rPr lang="nn-NO" dirty="0">
+                <a:solidFill>
+                  <a:schemeClr val="accent4"/>
+                </a:solidFill>
+                <a:latin typeface="Consolas" panose="020B0609020204030204" pitchFamily="49" charset="0"/>
+              </a:rPr>
+              <a:t>    break;</a:t>
+            </a:r>
+          </a:p>
+          <a:p>
+            <a:pPr marL="0" indent="0" algn="just">
+              <a:buNone/>
+            </a:pPr>
+            <a:r>
+              <a:rPr lang="nn-NO" dirty="0">
+                <a:solidFill>
+                  <a:schemeClr val="accent4"/>
+                </a:solidFill>
+                <a:latin typeface="Consolas" panose="020B0609020204030204" pitchFamily="49" charset="0"/>
+              </a:rPr>
+              <a:t>  }</a:t>
+            </a:r>
+          </a:p>
+          <a:p>
+            <a:pPr marL="0" indent="0" algn="just">
+              <a:buNone/>
+            </a:pPr>
+            <a:r>
+              <a:rPr lang="nn-NO" dirty="0">
+                <a:solidFill>
+                  <a:schemeClr val="accent4"/>
+                </a:solidFill>
+                <a:latin typeface="Consolas" panose="020B0609020204030204" pitchFamily="49" charset="0"/>
+              </a:rPr>
+              <a:t>  System.out.println(i);</a:t>
+            </a:r>
+          </a:p>
+          <a:p>
+            <a:pPr marL="0" indent="0" algn="just">
+              <a:buNone/>
+            </a:pPr>
+            <a:r>
+              <a:rPr lang="nn-NO" dirty="0" smtClean="0">
+                <a:solidFill>
+                  <a:schemeClr val="accent4"/>
+                </a:solidFill>
+                <a:latin typeface="Consolas" panose="020B0609020204030204" pitchFamily="49" charset="0"/>
+              </a:rPr>
+              <a:t>}</a:t>
+            </a:r>
+          </a:p>
+        </p:txBody>
+      </p:sp>
+      <p:sp>
+        <p:nvSpPr>
+          <p:cNvPr id="4" name="Rectangle 3"/>
+          <p:cNvSpPr/>
+          <p:nvPr/>
+        </p:nvSpPr>
+        <p:spPr>
+          <a:xfrm>
+            <a:off x="8112368" y="6549292"/>
+            <a:ext cx="4079631" cy="226646"/>
+          </a:xfrm>
+          <a:prstGeom prst="rect">
+            <a:avLst/>
+          </a:prstGeom>
+          <a:ln>
+            <a:noFill/>
+          </a:ln>
+        </p:spPr>
+        <p:style>
+          <a:lnRef idx="2">
+            <a:schemeClr val="accent4"/>
+          </a:lnRef>
+          <a:fillRef idx="1">
+            <a:schemeClr val="lt1"/>
+          </a:fillRef>
+          <a:effectRef idx="0">
+            <a:schemeClr val="accent4"/>
+          </a:effectRef>
+          <a:fontRef idx="minor">
+            <a:schemeClr val="dk1"/>
+          </a:fontRef>
+        </p:style>
+        <p:txBody>
+          <a:bodyPr rtlCol="0" anchor="ctr"/>
+          <a:lstStyle/>
+          <a:p>
+            <a:pPr algn="ctr"/>
+            <a:r>
+              <a:rPr lang="en-US" dirty="0" smtClean="0"/>
+              <a:t>Source: w3school</a:t>
+            </a:r>
+            <a:endParaRPr lang="en-US" dirty="0"/>
+          </a:p>
+        </p:txBody>
+      </p:sp>
+    </p:spTree>
+    <p:extLst>
+      <p:ext uri="{BB962C8B-B14F-4D97-AF65-F5344CB8AC3E}">
+        <p14:creationId xmlns:p14="http://schemas.microsoft.com/office/powerpoint/2010/main" val="1139946722"/>
+      </p:ext>
+    </p:extLst>
+  </p:cSld>
+  <p:clrMapOvr>
+    <a:masterClrMapping/>
+  </p:clrMapOvr>
+  <p:timing>
+    <p:tnLst>
+      <p:par>
+        <p:cTn id="1" dur="indefinite" restart="never" nodeType="tmRoot"/>
+      </p:par>
+    </p:tnLst>
+  </p:timing>
+</p:sld>
+</file>
+
+<file path=ppt/slides/slide15.xml><?xml version="1.0" encoding="utf-8"?>
+<p:sld xmlns:a="http://schemas.openxmlformats.org/drawingml/2006/main" xmlns:r="http://schemas.openxmlformats.org/officeDocument/2006/relationships" xmlns:p="http://schemas.openxmlformats.org/presentationml/2006/main">
+  <p:cSld>
+    <p:spTree>
+      <p:nvGrpSpPr>
+        <p:cNvPr id="1" name=""/>
+        <p:cNvGrpSpPr/>
+        <p:nvPr/>
+      </p:nvGrpSpPr>
+      <p:grpSpPr>
+        <a:xfrm>
+          <a:off x="0" y="0"/>
+          <a:ext cx="0" cy="0"/>
+          <a:chOff x="0" y="0"/>
+          <a:chExt cx="0" cy="0"/>
+        </a:xfrm>
+      </p:grpSpPr>
+      <p:sp>
+        <p:nvSpPr>
+          <p:cNvPr id="2" name="Title 1"/>
+          <p:cNvSpPr>
+            <a:spLocks noGrp="1"/>
+          </p:cNvSpPr>
+          <p:nvPr>
+            <p:ph type="title"/>
+          </p:nvPr>
+        </p:nvSpPr>
+        <p:spPr/>
+        <p:txBody>
+          <a:bodyPr/>
+          <a:lstStyle/>
+          <a:p>
+            <a:r>
+              <a:rPr lang="en-US" dirty="0"/>
+              <a:t>Java Break and Continue</a:t>
+            </a:r>
+          </a:p>
+        </p:txBody>
+      </p:sp>
+      <p:sp>
+        <p:nvSpPr>
+          <p:cNvPr id="3" name="Content Placeholder 2"/>
+          <p:cNvSpPr>
+            <a:spLocks noGrp="1"/>
+          </p:cNvSpPr>
+          <p:nvPr>
+            <p:ph idx="1"/>
+          </p:nvPr>
+        </p:nvSpPr>
+        <p:spPr/>
+        <p:txBody>
+          <a:bodyPr>
+            <a:normAutofit/>
+          </a:bodyPr>
+          <a:lstStyle/>
+          <a:p>
+            <a:pPr marL="0" indent="0" algn="just">
+              <a:buNone/>
+            </a:pPr>
+            <a:r>
+              <a:rPr lang="en-US" dirty="0" smtClean="0"/>
+              <a:t>Java Continue</a:t>
+            </a:r>
+          </a:p>
+          <a:p>
+            <a:pPr marL="0" indent="0" algn="just">
+              <a:buNone/>
+            </a:pPr>
+            <a:r>
+              <a:rPr lang="en-US" dirty="0" smtClean="0"/>
+              <a:t>The </a:t>
+            </a:r>
+            <a:r>
+              <a:rPr lang="en-US" dirty="0"/>
+              <a:t>continue statement breaks one iteration (in the loop), if a specified condition occurs, and continues with the next iteration in the </a:t>
+            </a:r>
+            <a:r>
+              <a:rPr lang="en-US" dirty="0" err="1"/>
+              <a:t>loop.The</a:t>
+            </a:r>
+            <a:r>
+              <a:rPr lang="en-US" dirty="0"/>
+              <a:t> break statement can also be used to jump out of a loop</a:t>
+            </a:r>
+            <a:r>
+              <a:rPr lang="en-US" dirty="0" smtClean="0"/>
+              <a:t>.</a:t>
+            </a:r>
+          </a:p>
+          <a:p>
+            <a:pPr marL="0" indent="0" algn="just">
+              <a:buNone/>
+            </a:pPr>
+            <a:r>
+              <a:rPr lang="en-US" dirty="0"/>
+              <a:t>This example skips the value of 4</a:t>
+            </a:r>
+            <a:r>
+              <a:rPr lang="en-US" dirty="0" smtClean="0"/>
+              <a:t>:</a:t>
+            </a:r>
+          </a:p>
+          <a:p>
+            <a:pPr marL="0" indent="0" algn="just">
+              <a:buNone/>
+            </a:pPr>
+            <a:r>
+              <a:rPr lang="nn-NO" dirty="0" smtClean="0">
+                <a:solidFill>
+                  <a:schemeClr val="accent4"/>
+                </a:solidFill>
+                <a:latin typeface="Consolas" panose="020B0609020204030204" pitchFamily="49" charset="0"/>
+              </a:rPr>
+              <a:t>for </a:t>
+            </a:r>
+            <a:r>
+              <a:rPr lang="nn-NO" dirty="0">
+                <a:solidFill>
+                  <a:schemeClr val="accent4"/>
+                </a:solidFill>
+                <a:latin typeface="Consolas" panose="020B0609020204030204" pitchFamily="49" charset="0"/>
+              </a:rPr>
+              <a:t>(int i = 0; i &lt; 10; i++) {</a:t>
+            </a:r>
+          </a:p>
+          <a:p>
+            <a:pPr marL="0" indent="0" algn="just">
+              <a:buNone/>
+            </a:pPr>
+            <a:r>
+              <a:rPr lang="nn-NO" dirty="0">
+                <a:solidFill>
+                  <a:schemeClr val="accent4"/>
+                </a:solidFill>
+                <a:latin typeface="Consolas" panose="020B0609020204030204" pitchFamily="49" charset="0"/>
+              </a:rPr>
+              <a:t>  if (i == 4) {</a:t>
+            </a:r>
+          </a:p>
+          <a:p>
+            <a:pPr marL="0" indent="0" algn="just">
+              <a:buNone/>
+            </a:pPr>
+            <a:r>
+              <a:rPr lang="nn-NO" dirty="0">
+                <a:solidFill>
+                  <a:schemeClr val="accent4"/>
+                </a:solidFill>
+                <a:latin typeface="Consolas" panose="020B0609020204030204" pitchFamily="49" charset="0"/>
+              </a:rPr>
+              <a:t>    continue;</a:t>
+            </a:r>
+          </a:p>
+          <a:p>
+            <a:pPr marL="0" indent="0" algn="just">
+              <a:buNone/>
+            </a:pPr>
+            <a:r>
+              <a:rPr lang="nn-NO" dirty="0">
+                <a:solidFill>
+                  <a:schemeClr val="accent4"/>
+                </a:solidFill>
+                <a:latin typeface="Consolas" panose="020B0609020204030204" pitchFamily="49" charset="0"/>
+              </a:rPr>
+              <a:t>  }</a:t>
+            </a:r>
+          </a:p>
+          <a:p>
+            <a:pPr marL="0" indent="0" algn="just">
+              <a:buNone/>
+            </a:pPr>
+            <a:r>
+              <a:rPr lang="nn-NO" dirty="0">
+                <a:solidFill>
+                  <a:schemeClr val="accent4"/>
+                </a:solidFill>
+                <a:latin typeface="Consolas" panose="020B0609020204030204" pitchFamily="49" charset="0"/>
+              </a:rPr>
+              <a:t>  System.out.println(i);</a:t>
+            </a:r>
+          </a:p>
+          <a:p>
+            <a:pPr marL="0" indent="0" algn="just">
+              <a:buNone/>
+            </a:pPr>
+            <a:r>
+              <a:rPr lang="nn-NO" dirty="0" smtClean="0">
+                <a:solidFill>
+                  <a:schemeClr val="accent4"/>
+                </a:solidFill>
+                <a:latin typeface="Consolas" panose="020B0609020204030204" pitchFamily="49" charset="0"/>
+              </a:rPr>
+              <a:t>}</a:t>
+            </a:r>
+          </a:p>
+        </p:txBody>
+      </p:sp>
+      <p:sp>
+        <p:nvSpPr>
+          <p:cNvPr id="4" name="Rectangle 3"/>
+          <p:cNvSpPr/>
+          <p:nvPr/>
+        </p:nvSpPr>
+        <p:spPr>
+          <a:xfrm>
+            <a:off x="8112368" y="6549292"/>
+            <a:ext cx="4079631" cy="226646"/>
+          </a:xfrm>
+          <a:prstGeom prst="rect">
+            <a:avLst/>
+          </a:prstGeom>
+          <a:ln>
+            <a:noFill/>
+          </a:ln>
+        </p:spPr>
+        <p:style>
+          <a:lnRef idx="2">
+            <a:schemeClr val="accent4"/>
+          </a:lnRef>
+          <a:fillRef idx="1">
+            <a:schemeClr val="lt1"/>
+          </a:fillRef>
+          <a:effectRef idx="0">
+            <a:schemeClr val="accent4"/>
+          </a:effectRef>
+          <a:fontRef idx="minor">
+            <a:schemeClr val="dk1"/>
+          </a:fontRef>
+        </p:style>
+        <p:txBody>
+          <a:bodyPr rtlCol="0" anchor="ctr"/>
+          <a:lstStyle/>
+          <a:p>
+            <a:pPr algn="ctr"/>
+            <a:r>
+              <a:rPr lang="en-US" dirty="0" smtClean="0"/>
+              <a:t>Source: w3school</a:t>
+            </a:r>
+            <a:endParaRPr lang="en-US" dirty="0"/>
+          </a:p>
+        </p:txBody>
+      </p:sp>
+    </p:spTree>
+    <p:extLst>
+      <p:ext uri="{BB962C8B-B14F-4D97-AF65-F5344CB8AC3E}">
+        <p14:creationId xmlns:p14="http://schemas.microsoft.com/office/powerpoint/2010/main" val="4030225627"/>
+      </p:ext>
+    </p:extLst>
+  </p:cSld>
+  <p:clrMapOvr>
+    <a:masterClrMapping/>
+  </p:clrMapOvr>
+  <p:timing>
+    <p:tnLst>
+      <p:par>
+        <p:cTn id="1" dur="indefinite" restart="never" nodeType="tmRoot"/>
+      </p:par>
+    </p:tnLst>
+  </p:timing>
+</p:sld>
+</file>
+
 <file path=ppt/slides/slide2.xml><?xml version="1.0" encoding="utf-8"?>
 <p:sld xmlns:a="http://schemas.openxmlformats.org/drawingml/2006/main" xmlns:r="http://schemas.openxmlformats.org/officeDocument/2006/relationships" xmlns:p="http://schemas.openxmlformats.org/presentationml/2006/main">
   <p:cSld>
@@ -4427,11 +5229,6 @@
               </a:rPr>
               <a:t>Not Equal to: a != b</a:t>
             </a:r>
-            <a:endParaRPr lang="en-US" dirty="0">
-              <a:solidFill>
-                <a:schemeClr val="accent4"/>
-              </a:solidFill>
-            </a:endParaRPr>
           </a:p>
         </p:txBody>
       </p:sp>
@@ -4617,11 +5414,6 @@
               </a:rPr>
               <a:t>Use switch to specify many alternative blocks of code to be executed</a:t>
             </a:r>
-            <a:endParaRPr lang="en-US" dirty="0">
-              <a:solidFill>
-                <a:schemeClr val="accent4"/>
-              </a:solidFill>
-            </a:endParaRPr>
           </a:p>
         </p:txBody>
       </p:sp>
